--- a/chapter1/step8~10/補足資料.pptx
+++ b/chapter1/step8~10/補足資料.pptx
@@ -10636,7 +10636,7 @@
         <p:spPr>
           <a:xfrm>
             <a:off x="3155919" y="1977474"/>
-            <a:ext cx="5714734" cy="5009064"/>
+            <a:ext cx="5714734" cy="4039567"/>
           </a:xfrm>
           <a:prstGeom prst="rect">
             <a:avLst/>
@@ -12433,264 +12433,6 @@
               </a:rPr>
               <a:t>)</a:t>
             </a:r>
-          </a:p>
-          <a:p>
-            <a:pPr lvl="1" defTabSz="241200"/>
-            <a:br>
-              <a:rPr lang="en" altLang="ja-JP" sz="1050" b="0" dirty="0">
-                <a:solidFill>
-                  <a:srgbClr val="D4D4D4"/>
-                </a:solidFill>
-                <a:effectLst/>
-                <a:latin typeface="Menlo" panose="020B0609030804020204" pitchFamily="49" charset="0"/>
-              </a:rPr>
-            </a:br>
-            <a:r>
-              <a:rPr lang="en" altLang="ja-JP" sz="1050" b="0" dirty="0">
-                <a:solidFill>
-                  <a:srgbClr val="569CD6"/>
-                </a:solidFill>
-                <a:effectLst/>
-                <a:latin typeface="Menlo" panose="020B0609030804020204" pitchFamily="49" charset="0"/>
-              </a:rPr>
-              <a:t>def</a:t>
-            </a:r>
-            <a:r>
-              <a:rPr lang="en" altLang="ja-JP" sz="1050" b="0" dirty="0">
-                <a:solidFill>
-                  <a:srgbClr val="D4D4D4"/>
-                </a:solidFill>
-                <a:effectLst/>
-                <a:latin typeface="Menlo" panose="020B0609030804020204" pitchFamily="49" charset="0"/>
-              </a:rPr>
-              <a:t> </a:t>
-            </a:r>
-            <a:r>
-              <a:rPr lang="en" altLang="ja-JP" sz="1050" b="0" dirty="0" err="1">
-                <a:solidFill>
-                  <a:srgbClr val="DCDCAA"/>
-                </a:solidFill>
-                <a:effectLst/>
-                <a:latin typeface="Menlo" panose="020B0609030804020204" pitchFamily="49" charset="0"/>
-              </a:rPr>
-              <a:t>as_array</a:t>
-            </a:r>
-            <a:r>
-              <a:rPr lang="en" altLang="ja-JP" sz="1050" b="0" dirty="0">
-                <a:solidFill>
-                  <a:srgbClr val="D4D4D4"/>
-                </a:solidFill>
-                <a:effectLst/>
-                <a:latin typeface="Menlo" panose="020B0609030804020204" pitchFamily="49" charset="0"/>
-              </a:rPr>
-              <a:t>(</a:t>
-            </a:r>
-            <a:r>
-              <a:rPr lang="en" altLang="ja-JP" sz="1050" b="0" dirty="0">
-                <a:solidFill>
-                  <a:srgbClr val="9CDCFE"/>
-                </a:solidFill>
-                <a:effectLst/>
-                <a:latin typeface="Menlo" panose="020B0609030804020204" pitchFamily="49" charset="0"/>
-              </a:rPr>
-              <a:t>x</a:t>
-            </a:r>
-            <a:r>
-              <a:rPr lang="en" altLang="ja-JP" sz="1050" b="0" dirty="0">
-                <a:solidFill>
-                  <a:srgbClr val="D4D4D4"/>
-                </a:solidFill>
-                <a:effectLst/>
-                <a:latin typeface="Menlo" panose="020B0609030804020204" pitchFamily="49" charset="0"/>
-              </a:rPr>
-              <a:t>):</a:t>
-            </a:r>
-          </a:p>
-          <a:p>
-            <a:pPr lvl="1" defTabSz="241200"/>
-            <a:r>
-              <a:rPr lang="en" altLang="ja-JP" sz="1050" b="0" dirty="0">
-                <a:solidFill>
-                  <a:srgbClr val="C586C0"/>
-                </a:solidFill>
-                <a:effectLst/>
-                <a:latin typeface="Menlo" panose="020B0609030804020204" pitchFamily="49" charset="0"/>
-              </a:rPr>
-              <a:t>		if</a:t>
-            </a:r>
-            <a:r>
-              <a:rPr lang="en" altLang="ja-JP" sz="1050" b="0" dirty="0">
-                <a:solidFill>
-                  <a:srgbClr val="D4D4D4"/>
-                </a:solidFill>
-                <a:effectLst/>
-                <a:latin typeface="Menlo" panose="020B0609030804020204" pitchFamily="49" charset="0"/>
-              </a:rPr>
-              <a:t> </a:t>
-            </a:r>
-            <a:r>
-              <a:rPr lang="en" altLang="ja-JP" sz="1050" b="0" dirty="0" err="1">
-                <a:solidFill>
-                  <a:srgbClr val="4EC9B0"/>
-                </a:solidFill>
-                <a:effectLst/>
-                <a:latin typeface="Menlo" panose="020B0609030804020204" pitchFamily="49" charset="0"/>
-              </a:rPr>
-              <a:t>np</a:t>
-            </a:r>
-            <a:r>
-              <a:rPr lang="en" altLang="ja-JP" sz="1050" b="0" dirty="0" err="1">
-                <a:solidFill>
-                  <a:srgbClr val="D4D4D4"/>
-                </a:solidFill>
-                <a:effectLst/>
-                <a:latin typeface="Menlo" panose="020B0609030804020204" pitchFamily="49" charset="0"/>
-              </a:rPr>
-              <a:t>.isscalar</a:t>
-            </a:r>
-            <a:r>
-              <a:rPr lang="en" altLang="ja-JP" sz="1050" b="0" dirty="0">
-                <a:solidFill>
-                  <a:srgbClr val="D4D4D4"/>
-                </a:solidFill>
-                <a:effectLst/>
-                <a:latin typeface="Menlo" panose="020B0609030804020204" pitchFamily="49" charset="0"/>
-              </a:rPr>
-              <a:t>(</a:t>
-            </a:r>
-            <a:r>
-              <a:rPr lang="en" altLang="ja-JP" sz="1050" b="0" dirty="0">
-                <a:solidFill>
-                  <a:srgbClr val="9CDCFE"/>
-                </a:solidFill>
-                <a:effectLst/>
-                <a:latin typeface="Menlo" panose="020B0609030804020204" pitchFamily="49" charset="0"/>
-              </a:rPr>
-              <a:t>x</a:t>
-            </a:r>
-            <a:r>
-              <a:rPr lang="en" altLang="ja-JP" sz="1050" b="0" dirty="0">
-                <a:solidFill>
-                  <a:srgbClr val="D4D4D4"/>
-                </a:solidFill>
-                <a:effectLst/>
-                <a:latin typeface="Menlo" panose="020B0609030804020204" pitchFamily="49" charset="0"/>
-              </a:rPr>
-              <a:t>):</a:t>
-            </a:r>
-          </a:p>
-          <a:p>
-            <a:pPr lvl="1" defTabSz="241200"/>
-            <a:r>
-              <a:rPr lang="en" altLang="ja-JP" sz="1050" b="0" dirty="0">
-                <a:solidFill>
-                  <a:srgbClr val="C586C0"/>
-                </a:solidFill>
-                <a:effectLst/>
-                <a:latin typeface="Menlo" panose="020B0609030804020204" pitchFamily="49" charset="0"/>
-              </a:rPr>
-              <a:t>			return</a:t>
-            </a:r>
-            <a:r>
-              <a:rPr lang="en" altLang="ja-JP" sz="1050" b="0" dirty="0">
-                <a:solidFill>
-                  <a:srgbClr val="D4D4D4"/>
-                </a:solidFill>
-                <a:effectLst/>
-                <a:latin typeface="Menlo" panose="020B0609030804020204" pitchFamily="49" charset="0"/>
-              </a:rPr>
-              <a:t> </a:t>
-            </a:r>
-            <a:r>
-              <a:rPr lang="en" altLang="ja-JP" sz="1050" b="0" dirty="0" err="1">
-                <a:solidFill>
-                  <a:srgbClr val="4EC9B0"/>
-                </a:solidFill>
-                <a:effectLst/>
-                <a:latin typeface="Menlo" panose="020B0609030804020204" pitchFamily="49" charset="0"/>
-              </a:rPr>
-              <a:t>np</a:t>
-            </a:r>
-            <a:r>
-              <a:rPr lang="en" altLang="ja-JP" sz="1050" b="0" dirty="0" err="1">
-                <a:solidFill>
-                  <a:srgbClr val="D4D4D4"/>
-                </a:solidFill>
-                <a:effectLst/>
-                <a:latin typeface="Menlo" panose="020B0609030804020204" pitchFamily="49" charset="0"/>
-              </a:rPr>
-              <a:t>.array</a:t>
-            </a:r>
-            <a:r>
-              <a:rPr lang="en" altLang="ja-JP" sz="1050" b="0" dirty="0">
-                <a:solidFill>
-                  <a:srgbClr val="D4D4D4"/>
-                </a:solidFill>
-                <a:effectLst/>
-                <a:latin typeface="Menlo" panose="020B0609030804020204" pitchFamily="49" charset="0"/>
-              </a:rPr>
-              <a:t>(</a:t>
-            </a:r>
-            <a:r>
-              <a:rPr lang="en" altLang="ja-JP" sz="1050" b="0" dirty="0">
-                <a:solidFill>
-                  <a:srgbClr val="9CDCFE"/>
-                </a:solidFill>
-                <a:effectLst/>
-                <a:latin typeface="Menlo" panose="020B0609030804020204" pitchFamily="49" charset="0"/>
-              </a:rPr>
-              <a:t>x</a:t>
-            </a:r>
-            <a:r>
-              <a:rPr lang="en" altLang="ja-JP" sz="1050" b="0" dirty="0">
-                <a:solidFill>
-                  <a:srgbClr val="D4D4D4"/>
-                </a:solidFill>
-                <a:effectLst/>
-                <a:latin typeface="Menlo" panose="020B0609030804020204" pitchFamily="49" charset="0"/>
-              </a:rPr>
-              <a:t>)</a:t>
-            </a:r>
-          </a:p>
-          <a:p>
-            <a:pPr lvl="1" defTabSz="241200"/>
-            <a:r>
-              <a:rPr lang="en" altLang="ja-JP" sz="1050" b="0" dirty="0">
-                <a:solidFill>
-                  <a:srgbClr val="C586C0"/>
-                </a:solidFill>
-                <a:effectLst/>
-                <a:latin typeface="Menlo" panose="020B0609030804020204" pitchFamily="49" charset="0"/>
-              </a:rPr>
-              <a:t>		return</a:t>
-            </a:r>
-            <a:r>
-              <a:rPr lang="en" altLang="ja-JP" sz="1050" b="0" dirty="0">
-                <a:solidFill>
-                  <a:srgbClr val="D4D4D4"/>
-                </a:solidFill>
-                <a:effectLst/>
-                <a:latin typeface="Menlo" panose="020B0609030804020204" pitchFamily="49" charset="0"/>
-              </a:rPr>
-              <a:t> </a:t>
-            </a:r>
-            <a:r>
-              <a:rPr lang="en" altLang="ja-JP" sz="1050" b="0" dirty="0">
-                <a:solidFill>
-                  <a:srgbClr val="9CDCFE"/>
-                </a:solidFill>
-                <a:effectLst/>
-                <a:latin typeface="Menlo" panose="020B0609030804020204" pitchFamily="49" charset="0"/>
-              </a:rPr>
-              <a:t>x</a:t>
-            </a:r>
-            <a:endParaRPr lang="en" altLang="ja-JP" sz="1050" b="0" dirty="0">
-              <a:solidFill>
-                <a:srgbClr val="D4D4D4"/>
-              </a:solidFill>
-              <a:effectLst/>
-              <a:latin typeface="Menlo" panose="020B0609030804020204" pitchFamily="49" charset="0"/>
-            </a:endParaRPr>
           </a:p>
         </p:txBody>
       </p:sp>
@@ -16273,58 +16015,6 @@
               <a:rPr kumimoji="1" lang="en-US" altLang="ja-JP" dirty="0"/>
               <a:t>-A</a:t>
             </a:r>
-            <a:endParaRPr kumimoji="1" lang="ja-JP" altLang="en-US"/>
-          </a:p>
-        </p:txBody>
-      </p:sp>
-      <p:sp>
-        <p:nvSpPr>
-          <p:cNvPr id="100" name="角丸四角形 99">
-            <a:extLst>
-              <a:ext uri="{FF2B5EF4-FFF2-40B4-BE49-F238E27FC236}">
-                <a16:creationId xmlns:a16="http://schemas.microsoft.com/office/drawing/2014/main" id="{C7919E16-0524-6324-33F9-AD4E0237CB09}"/>
-              </a:ext>
-            </a:extLst>
-          </p:cNvPr>
-          <p:cNvSpPr/>
-          <p:nvPr/>
-        </p:nvSpPr>
-        <p:spPr>
-          <a:xfrm>
-            <a:off x="3474497" y="6087649"/>
-            <a:ext cx="2621503" cy="770351"/>
-          </a:xfrm>
-          <a:prstGeom prst="roundRect">
-            <a:avLst/>
-          </a:prstGeom>
-          <a:noFill/>
-          <a:ln w="57150">
-            <a:solidFill>
-              <a:srgbClr val="0432FF"/>
-            </a:solidFill>
-          </a:ln>
-        </p:spPr>
-        <p:style>
-          <a:lnRef idx="2">
-            <a:schemeClr val="accent1">
-              <a:shade val="50000"/>
-            </a:schemeClr>
-          </a:lnRef>
-          <a:fillRef idx="1">
-            <a:schemeClr val="accent1"/>
-          </a:fillRef>
-          <a:effectRef idx="0">
-            <a:schemeClr val="accent1"/>
-          </a:effectRef>
-          <a:fontRef idx="minor">
-            <a:schemeClr val="lt1"/>
-          </a:fontRef>
-        </p:style>
-        <p:txBody>
-          <a:bodyPr rtlCol="0" anchor="ctr"/>
-          <a:lstStyle/>
-          <a:p>
-            <a:pPr algn="ctr"/>
             <a:endParaRPr kumimoji="1" lang="ja-JP" altLang="en-US"/>
           </a:p>
         </p:txBody>
@@ -16810,6 +16500,285 @@
               <a:t>&gt;step15-16</a:t>
             </a:r>
             <a:endParaRPr kumimoji="1" lang="ja-JP" altLang="en-US" sz="1100"/>
+          </a:p>
+        </p:txBody>
+      </p:sp>
+      <p:sp>
+        <p:nvSpPr>
+          <p:cNvPr id="8" name="テキスト ボックス 7">
+            <a:extLst>
+              <a:ext uri="{FF2B5EF4-FFF2-40B4-BE49-F238E27FC236}">
+                <a16:creationId xmlns:a16="http://schemas.microsoft.com/office/drawing/2014/main" id="{9B33D628-55BF-04D1-6A0C-1B3FD3D296CE}"/>
+              </a:ext>
+            </a:extLst>
+          </p:cNvPr>
+          <p:cNvSpPr txBox="1"/>
+          <p:nvPr/>
+        </p:nvSpPr>
+        <p:spPr>
+          <a:xfrm>
+            <a:off x="3174930" y="6211669"/>
+            <a:ext cx="2473459" cy="646331"/>
+          </a:xfrm>
+          <a:prstGeom prst="rect">
+            <a:avLst/>
+          </a:prstGeom>
+          <a:solidFill>
+            <a:schemeClr val="tx1">
+              <a:lumMod val="85000"/>
+              <a:lumOff val="15000"/>
+            </a:schemeClr>
+          </a:solidFill>
+        </p:spPr>
+        <p:txBody>
+          <a:bodyPr wrap="square">
+            <a:spAutoFit/>
+          </a:bodyPr>
+          <a:lstStyle/>
+          <a:p>
+            <a:r>
+              <a:rPr lang="en" altLang="ja-JP" sz="900" b="0" dirty="0">
+                <a:solidFill>
+                  <a:srgbClr val="569CD6"/>
+                </a:solidFill>
+                <a:effectLst/>
+                <a:latin typeface="Menlo" panose="020B0609030804020204" pitchFamily="49" charset="0"/>
+              </a:rPr>
+              <a:t>def</a:t>
+            </a:r>
+            <a:r>
+              <a:rPr lang="en" altLang="ja-JP" sz="900" b="0" dirty="0">
+                <a:solidFill>
+                  <a:srgbClr val="D4D4D4"/>
+                </a:solidFill>
+                <a:effectLst/>
+                <a:latin typeface="Menlo" panose="020B0609030804020204" pitchFamily="49" charset="0"/>
+              </a:rPr>
+              <a:t> </a:t>
+            </a:r>
+            <a:r>
+              <a:rPr lang="en" altLang="ja-JP" sz="900" b="0" dirty="0" err="1">
+                <a:solidFill>
+                  <a:srgbClr val="DCDCAA"/>
+                </a:solidFill>
+                <a:effectLst/>
+                <a:latin typeface="Menlo" panose="020B0609030804020204" pitchFamily="49" charset="0"/>
+              </a:rPr>
+              <a:t>as_array</a:t>
+            </a:r>
+            <a:r>
+              <a:rPr lang="en" altLang="ja-JP" sz="900" b="0" dirty="0">
+                <a:solidFill>
+                  <a:srgbClr val="D4D4D4"/>
+                </a:solidFill>
+                <a:effectLst/>
+                <a:latin typeface="Menlo" panose="020B0609030804020204" pitchFamily="49" charset="0"/>
+              </a:rPr>
+              <a:t>(</a:t>
+            </a:r>
+            <a:r>
+              <a:rPr lang="en" altLang="ja-JP" sz="900" b="0" dirty="0">
+                <a:solidFill>
+                  <a:srgbClr val="9CDCFE"/>
+                </a:solidFill>
+                <a:effectLst/>
+                <a:latin typeface="Menlo" panose="020B0609030804020204" pitchFamily="49" charset="0"/>
+              </a:rPr>
+              <a:t>x</a:t>
+            </a:r>
+            <a:r>
+              <a:rPr lang="en" altLang="ja-JP" sz="900" b="0" dirty="0">
+                <a:solidFill>
+                  <a:srgbClr val="D4D4D4"/>
+                </a:solidFill>
+                <a:effectLst/>
+                <a:latin typeface="Menlo" panose="020B0609030804020204" pitchFamily="49" charset="0"/>
+              </a:rPr>
+              <a:t>):</a:t>
+            </a:r>
+          </a:p>
+          <a:p>
+            <a:r>
+              <a:rPr lang="en" altLang="ja-JP" sz="900" b="0" dirty="0">
+                <a:solidFill>
+                  <a:srgbClr val="C586C0"/>
+                </a:solidFill>
+                <a:effectLst/>
+                <a:latin typeface="Menlo" panose="020B0609030804020204" pitchFamily="49" charset="0"/>
+              </a:rPr>
+              <a:t>	if</a:t>
+            </a:r>
+            <a:r>
+              <a:rPr lang="en" altLang="ja-JP" sz="900" b="0" dirty="0">
+                <a:solidFill>
+                  <a:srgbClr val="D4D4D4"/>
+                </a:solidFill>
+                <a:effectLst/>
+                <a:latin typeface="Menlo" panose="020B0609030804020204" pitchFamily="49" charset="0"/>
+              </a:rPr>
+              <a:t> </a:t>
+            </a:r>
+            <a:r>
+              <a:rPr lang="en" altLang="ja-JP" sz="900" b="0" dirty="0" err="1">
+                <a:solidFill>
+                  <a:srgbClr val="4EC9B0"/>
+                </a:solidFill>
+                <a:effectLst/>
+                <a:latin typeface="Menlo" panose="020B0609030804020204" pitchFamily="49" charset="0"/>
+              </a:rPr>
+              <a:t>np</a:t>
+            </a:r>
+            <a:r>
+              <a:rPr lang="en" altLang="ja-JP" sz="900" b="0" dirty="0" err="1">
+                <a:solidFill>
+                  <a:srgbClr val="D4D4D4"/>
+                </a:solidFill>
+                <a:effectLst/>
+                <a:latin typeface="Menlo" panose="020B0609030804020204" pitchFamily="49" charset="0"/>
+              </a:rPr>
+              <a:t>.isscalar</a:t>
+            </a:r>
+            <a:r>
+              <a:rPr lang="en" altLang="ja-JP" sz="900" b="0" dirty="0">
+                <a:solidFill>
+                  <a:srgbClr val="D4D4D4"/>
+                </a:solidFill>
+                <a:effectLst/>
+                <a:latin typeface="Menlo" panose="020B0609030804020204" pitchFamily="49" charset="0"/>
+              </a:rPr>
+              <a:t>(</a:t>
+            </a:r>
+            <a:r>
+              <a:rPr lang="en" altLang="ja-JP" sz="900" b="0" dirty="0">
+                <a:solidFill>
+                  <a:srgbClr val="9CDCFE"/>
+                </a:solidFill>
+                <a:effectLst/>
+                <a:latin typeface="Menlo" panose="020B0609030804020204" pitchFamily="49" charset="0"/>
+              </a:rPr>
+              <a:t>x</a:t>
+            </a:r>
+            <a:r>
+              <a:rPr lang="en" altLang="ja-JP" sz="900" b="0" dirty="0">
+                <a:solidFill>
+                  <a:srgbClr val="D4D4D4"/>
+                </a:solidFill>
+                <a:effectLst/>
+                <a:latin typeface="Menlo" panose="020B0609030804020204" pitchFamily="49" charset="0"/>
+              </a:rPr>
+              <a:t>):</a:t>
+            </a:r>
+          </a:p>
+          <a:p>
+            <a:r>
+              <a:rPr lang="en" altLang="ja-JP" sz="900" b="0" dirty="0">
+                <a:solidFill>
+                  <a:srgbClr val="C586C0"/>
+                </a:solidFill>
+                <a:effectLst/>
+                <a:latin typeface="Menlo" panose="020B0609030804020204" pitchFamily="49" charset="0"/>
+              </a:rPr>
+              <a:t>		return</a:t>
+            </a:r>
+            <a:r>
+              <a:rPr lang="en" altLang="ja-JP" sz="900" b="0" dirty="0">
+                <a:solidFill>
+                  <a:srgbClr val="D4D4D4"/>
+                </a:solidFill>
+                <a:effectLst/>
+                <a:latin typeface="Menlo" panose="020B0609030804020204" pitchFamily="49" charset="0"/>
+              </a:rPr>
+              <a:t> </a:t>
+            </a:r>
+            <a:r>
+              <a:rPr lang="en" altLang="ja-JP" sz="900" b="0" dirty="0" err="1">
+                <a:solidFill>
+                  <a:srgbClr val="4EC9B0"/>
+                </a:solidFill>
+                <a:effectLst/>
+                <a:latin typeface="Menlo" panose="020B0609030804020204" pitchFamily="49" charset="0"/>
+              </a:rPr>
+              <a:t>np</a:t>
+            </a:r>
+            <a:r>
+              <a:rPr lang="en" altLang="ja-JP" sz="900" b="0" dirty="0" err="1">
+                <a:solidFill>
+                  <a:srgbClr val="D4D4D4"/>
+                </a:solidFill>
+                <a:effectLst/>
+                <a:latin typeface="Menlo" panose="020B0609030804020204" pitchFamily="49" charset="0"/>
+              </a:rPr>
+              <a:t>.array</a:t>
+            </a:r>
+            <a:r>
+              <a:rPr lang="en" altLang="ja-JP" sz="900" b="0" dirty="0">
+                <a:solidFill>
+                  <a:srgbClr val="D4D4D4"/>
+                </a:solidFill>
+                <a:effectLst/>
+                <a:latin typeface="Menlo" panose="020B0609030804020204" pitchFamily="49" charset="0"/>
+              </a:rPr>
+              <a:t>(</a:t>
+            </a:r>
+            <a:r>
+              <a:rPr lang="en" altLang="ja-JP" sz="900" b="0" dirty="0">
+                <a:solidFill>
+                  <a:srgbClr val="9CDCFE"/>
+                </a:solidFill>
+                <a:effectLst/>
+                <a:latin typeface="Menlo" panose="020B0609030804020204" pitchFamily="49" charset="0"/>
+              </a:rPr>
+              <a:t>x</a:t>
+            </a:r>
+            <a:r>
+              <a:rPr lang="en" altLang="ja-JP" sz="900" b="0" dirty="0">
+                <a:solidFill>
+                  <a:srgbClr val="D4D4D4"/>
+                </a:solidFill>
+                <a:effectLst/>
+                <a:latin typeface="Menlo" panose="020B0609030804020204" pitchFamily="49" charset="0"/>
+              </a:rPr>
+              <a:t>)</a:t>
+            </a:r>
+          </a:p>
+          <a:p>
+            <a:r>
+              <a:rPr lang="en" altLang="ja-JP" sz="900" b="0" dirty="0">
+                <a:solidFill>
+                  <a:srgbClr val="C586C0"/>
+                </a:solidFill>
+                <a:effectLst/>
+                <a:latin typeface="Menlo" panose="020B0609030804020204" pitchFamily="49" charset="0"/>
+              </a:rPr>
+              <a:t>	return</a:t>
+            </a:r>
+            <a:r>
+              <a:rPr lang="en" altLang="ja-JP" sz="900" b="0" dirty="0">
+                <a:solidFill>
+                  <a:srgbClr val="D4D4D4"/>
+                </a:solidFill>
+                <a:effectLst/>
+                <a:latin typeface="Menlo" panose="020B0609030804020204" pitchFamily="49" charset="0"/>
+              </a:rPr>
+              <a:t> </a:t>
+            </a:r>
+            <a:r>
+              <a:rPr lang="en" altLang="ja-JP" sz="900" b="0" dirty="0">
+                <a:solidFill>
+                  <a:srgbClr val="9CDCFE"/>
+                </a:solidFill>
+                <a:effectLst/>
+                <a:latin typeface="Menlo" panose="020B0609030804020204" pitchFamily="49" charset="0"/>
+              </a:rPr>
+              <a:t>x</a:t>
+            </a:r>
+            <a:endParaRPr lang="en" altLang="ja-JP" sz="900" b="0" dirty="0">
+              <a:solidFill>
+                <a:srgbClr val="D4D4D4"/>
+              </a:solidFill>
+              <a:effectLst/>
+              <a:latin typeface="Menlo" panose="020B0609030804020204" pitchFamily="49" charset="0"/>
+            </a:endParaRPr>
           </a:p>
         </p:txBody>
       </p:sp>
